--- a/NEW_DBMS교안/17. 고급 SQL 작성하기_서브쿼리.pptx
+++ b/NEW_DBMS교안/17. 고급 SQL 작성하기_서브쿼리.pptx
@@ -226,7 +226,7 @@
           <a:p>
             <a:fld id="{E150CED1-0BD3-437E-982C-E8005E10CB37}" type="datetimeFigureOut">
               <a:rPr lang="ko-KR" altLang="en-US" smtClean="0"/>
-              <a:t>2021-03-31</a:t>
+              <a:t>2021-04-07</a:t>
             </a:fld>
             <a:endParaRPr lang="ko-KR" altLang="en-US"/>
           </a:p>
@@ -8725,7 +8725,7 @@
         <p:spPr>
           <a:xfrm>
             <a:off x="611560" y="3410504"/>
-            <a:ext cx="6398098" cy="369332"/>
+            <a:ext cx="5904373" cy="369332"/>
           </a:xfrm>
           <a:prstGeom prst="rect">
             <a:avLst/>
@@ -8771,7 +8771,15 @@
             </a:r>
             <a:r>
               <a:rPr lang="en-US" altLang="ko-KR" i="1" dirty="0"/>
-              <a:t> department = 1;</a:t>
+              <a:t> </a:t>
+            </a:r>
+            <a:r>
+              <a:rPr lang="en-US" altLang="ko-KR" i="1" dirty="0" smtClean="0"/>
+              <a:t>depart </a:t>
+            </a:r>
+            <a:r>
+              <a:rPr lang="en-US" altLang="ko-KR" i="1" dirty="0"/>
+              <a:t>= 1;</a:t>
             </a:r>
             <a:endParaRPr lang="ko-KR" altLang="en-US" dirty="0"/>
           </a:p>
@@ -9362,7 +9370,7 @@
               <a:t>                            </a:t>
             </a:r>
             <a:r>
-              <a:rPr lang="en-US" altLang="ko-KR" b="1" dirty="0">
+              <a:rPr lang="en-US" altLang="ko-KR" b="1">
                 <a:solidFill>
                   <a:srgbClr val="0000FF"/>
                 </a:solidFill>
@@ -9370,8 +9378,16 @@
               <a:t>WHERE</a:t>
             </a:r>
             <a:r>
+              <a:rPr lang="en-US" altLang="ko-KR" i="1"/>
+              <a:t> </a:t>
+            </a:r>
+            <a:r>
+              <a:rPr lang="en-US" altLang="ko-KR" i="1" smtClean="0"/>
+              <a:t>depart </a:t>
+            </a:r>
+            <a:r>
               <a:rPr lang="en-US" altLang="ko-KR" i="1" dirty="0"/>
-              <a:t> department = 1);</a:t>
+              <a:t>= 1);</a:t>
             </a:r>
           </a:p>
         </p:txBody>

--- a/NEW_DBMS교안/17. 고급 SQL 작성하기_서브쿼리.pptx
+++ b/NEW_DBMS교안/17. 고급 SQL 작성하기_서브쿼리.pptx
@@ -226,7 +226,7 @@
           <a:p>
             <a:fld id="{E150CED1-0BD3-437E-982C-E8005E10CB37}" type="datetimeFigureOut">
               <a:rPr lang="ko-KR" altLang="en-US" smtClean="0"/>
-              <a:t>2021-04-07</a:t>
+              <a:t>2021-04-13</a:t>
             </a:fld>
             <a:endParaRPr lang="ko-KR" altLang="en-US"/>
           </a:p>
@@ -10243,6 +10243,89 @@
           </a:p>
         </p:txBody>
       </p:sp>
+      <p:sp>
+        <p:nvSpPr>
+          <p:cNvPr id="4" name="TextBox 3"/>
+          <p:cNvSpPr txBox="1"/>
+          <p:nvPr/>
+        </p:nvSpPr>
+        <p:spPr>
+          <a:xfrm>
+            <a:off x="4590262" y="2852936"/>
+            <a:ext cx="4176464" cy="369332"/>
+          </a:xfrm>
+          <a:prstGeom prst="rect">
+            <a:avLst/>
+          </a:prstGeom>
+        </p:spPr>
+        <p:style>
+          <a:lnRef idx="2">
+            <a:schemeClr val="accent2"/>
+          </a:lnRef>
+          <a:fillRef idx="1">
+            <a:schemeClr val="lt1"/>
+          </a:fillRef>
+          <a:effectRef idx="0">
+            <a:schemeClr val="accent2"/>
+          </a:effectRef>
+          <a:fontRef idx="minor">
+            <a:schemeClr val="dk1"/>
+          </a:fontRef>
+        </p:style>
+        <p:txBody>
+          <a:bodyPr wrap="square" rtlCol="0">
+            <a:spAutoFit/>
+          </a:bodyPr>
+          <a:lstStyle/>
+          <a:p>
+            <a:r>
+              <a:rPr lang="ko-KR" altLang="en-US" b="1" dirty="0" smtClean="0">
+                <a:solidFill>
+                  <a:srgbClr val="FF0000"/>
+                </a:solidFill>
+              </a:rPr>
+              <a:t>테이블 복사해도 </a:t>
+            </a:r>
+            <a:r>
+              <a:rPr lang="en-US" altLang="ko-KR" b="1" dirty="0" smtClean="0">
+                <a:solidFill>
+                  <a:srgbClr val="FF0000"/>
+                </a:solidFill>
+              </a:rPr>
+              <a:t>PK, FK</a:t>
+            </a:r>
+            <a:r>
+              <a:rPr lang="ko-KR" altLang="en-US" b="1" dirty="0" smtClean="0">
+                <a:solidFill>
+                  <a:srgbClr val="FF0000"/>
+                </a:solidFill>
+              </a:rPr>
+              <a:t>는 </a:t>
+            </a:r>
+            <a:r>
+              <a:rPr lang="ko-KR" altLang="en-US" b="1" dirty="0" err="1" smtClean="0">
+                <a:solidFill>
+                  <a:srgbClr val="FF0000"/>
+                </a:solidFill>
+              </a:rPr>
+              <a:t>안따라온다</a:t>
+            </a:r>
+            <a:r>
+              <a:rPr lang="en-US" altLang="ko-KR" b="1" dirty="0" smtClean="0">
+                <a:solidFill>
+                  <a:srgbClr val="FF0000"/>
+                </a:solidFill>
+              </a:rPr>
+              <a:t>.</a:t>
+            </a:r>
+            <a:endParaRPr lang="ko-KR" altLang="en-US" b="1" dirty="0">
+              <a:solidFill>
+                <a:srgbClr val="FF0000"/>
+              </a:solidFill>
+            </a:endParaRPr>
+          </a:p>
+        </p:txBody>
+      </p:sp>
     </p:spTree>
     <p:extLst>
       <p:ext uri="{BB962C8B-B14F-4D97-AF65-F5344CB8AC3E}">
